--- a/docs/diagrams/ModelComponentClassDiagram.pptx
+++ b/docs/diagrams/ModelComponentClassDiagram.pptx
@@ -126,6 +126,10 @@
 </p:presentation>
 </file>
 
+<file path=ppt/revisionInfo.xml><?xml version="1.0" encoding="utf-8"?>
+<p1510:revInfo xmlns:a="http://schemas.openxmlformats.org/drawingml/2006/main" xmlns:r="http://schemas.openxmlformats.org/officeDocument/2006/relationships" xmlns:p1510="http://schemas.microsoft.com/office/powerpoint/2015/10/main"/>
+</file>
+
 <file path=ppt/notesMasters/notesMaster1.xml><?xml version="1.0" encoding="utf-8"?>
 <p:notesMaster xmlns:a="http://schemas.openxmlformats.org/drawingml/2006/main" xmlns:r="http://schemas.openxmlformats.org/officeDocument/2006/relationships" xmlns:p="http://schemas.openxmlformats.org/presentationml/2006/main">
   <p:cSld>
@@ -208,7 +212,7 @@
           <a:p>
             <a:fld id="{F5CC4B3F-88C1-4FFA-B1B6-F41C21DC6924}" type="datetimeFigureOut">
               <a:rPr lang="en-US" smtClean="0"/>
-              <a:t>9/4/17</a:t>
+              <a:t>11/13/2017</a:t>
             </a:fld>
             <a:endParaRPr lang="en-US"/>
           </a:p>
@@ -272,38 +276,37 @@
           <a:p>
             <a:pPr lvl="0"/>
             <a:r>
-              <a:rPr lang="en-US" smtClean="0"/>
+              <a:rPr lang="en-US"/>
               <a:t>Click to edit Master text styles</a:t>
             </a:r>
           </a:p>
           <a:p>
             <a:pPr lvl="1"/>
             <a:r>
-              <a:rPr lang="en-US" smtClean="0"/>
+              <a:rPr lang="en-US"/>
               <a:t>Second level</a:t>
             </a:r>
           </a:p>
           <a:p>
             <a:pPr lvl="2"/>
             <a:r>
-              <a:rPr lang="en-US" smtClean="0"/>
+              <a:rPr lang="en-US"/>
               <a:t>Third level</a:t>
             </a:r>
           </a:p>
           <a:p>
             <a:pPr lvl="3"/>
             <a:r>
-              <a:rPr lang="en-US" smtClean="0"/>
+              <a:rPr lang="en-US"/>
               <a:t>Fourth level</a:t>
             </a:r>
           </a:p>
           <a:p>
             <a:pPr lvl="4"/>
             <a:r>
-              <a:rPr lang="en-US" smtClean="0"/>
+              <a:rPr lang="en-US"/>
               <a:t>Fifth level</a:t>
             </a:r>
-            <a:endParaRPr lang="en-US"/>
           </a:p>
         </p:txBody>
       </p:sp>
@@ -514,10 +517,9 @@
           <a:lstStyle/>
           <a:p>
             <a:r>
-              <a:rPr lang="en-US" smtClean="0"/>
+              <a:rPr lang="en-US"/>
               <a:t>Click to edit Master title style</a:t>
             </a:r>
-            <a:endParaRPr lang="en-US"/>
           </a:p>
         </p:txBody>
       </p:sp>
@@ -633,10 +635,9 @@
           </a:lstStyle>
           <a:p>
             <a:r>
-              <a:rPr lang="en-US" smtClean="0"/>
+              <a:rPr lang="en-US"/>
               <a:t>Click to edit Master subtitle style</a:t>
             </a:r>
-            <a:endParaRPr lang="en-US"/>
           </a:p>
         </p:txBody>
       </p:sp>
@@ -657,7 +658,7 @@
           <a:p>
             <a:fld id="{78C97017-6FC3-485B-9764-EAC9E56C1D49}" type="datetimeFigureOut">
               <a:rPr lang="en-US" smtClean="0"/>
-              <a:t>9/4/17</a:t>
+              <a:t>11/13/2017</a:t>
             </a:fld>
             <a:endParaRPr lang="en-US"/>
           </a:p>
@@ -751,10 +752,9 @@
           <a:lstStyle/>
           <a:p>
             <a:r>
-              <a:rPr lang="en-US" smtClean="0"/>
+              <a:rPr lang="en-US"/>
               <a:t>Click to edit Master title style</a:t>
             </a:r>
-            <a:endParaRPr lang="en-US"/>
           </a:p>
         </p:txBody>
       </p:sp>
@@ -775,38 +775,37 @@
           <a:p>
             <a:pPr lvl="0"/>
             <a:r>
-              <a:rPr lang="en-US" smtClean="0"/>
+              <a:rPr lang="en-US"/>
               <a:t>Click to edit Master text styles</a:t>
             </a:r>
           </a:p>
           <a:p>
             <a:pPr lvl="1"/>
             <a:r>
-              <a:rPr lang="en-US" smtClean="0"/>
+              <a:rPr lang="en-US"/>
               <a:t>Second level</a:t>
             </a:r>
           </a:p>
           <a:p>
             <a:pPr lvl="2"/>
             <a:r>
-              <a:rPr lang="en-US" smtClean="0"/>
+              <a:rPr lang="en-US"/>
               <a:t>Third level</a:t>
             </a:r>
           </a:p>
           <a:p>
             <a:pPr lvl="3"/>
             <a:r>
-              <a:rPr lang="en-US" smtClean="0"/>
+              <a:rPr lang="en-US"/>
               <a:t>Fourth level</a:t>
             </a:r>
           </a:p>
           <a:p>
             <a:pPr lvl="4"/>
             <a:r>
-              <a:rPr lang="en-US" smtClean="0"/>
+              <a:rPr lang="en-US"/>
               <a:t>Fifth level</a:t>
             </a:r>
-            <a:endParaRPr lang="en-US"/>
           </a:p>
         </p:txBody>
       </p:sp>
@@ -827,7 +826,7 @@
           <a:p>
             <a:fld id="{78C97017-6FC3-485B-9764-EAC9E56C1D49}" type="datetimeFigureOut">
               <a:rPr lang="en-US" smtClean="0"/>
-              <a:t>9/4/17</a:t>
+              <a:t>11/13/2017</a:t>
             </a:fld>
             <a:endParaRPr lang="en-US"/>
           </a:p>
@@ -926,10 +925,9 @@
           <a:lstStyle/>
           <a:p>
             <a:r>
-              <a:rPr lang="en-US" smtClean="0"/>
+              <a:rPr lang="en-US"/>
               <a:t>Click to edit Master title style</a:t>
             </a:r>
-            <a:endParaRPr lang="en-US"/>
           </a:p>
         </p:txBody>
       </p:sp>
@@ -955,38 +953,37 @@
           <a:p>
             <a:pPr lvl="0"/>
             <a:r>
-              <a:rPr lang="en-US" smtClean="0"/>
+              <a:rPr lang="en-US"/>
               <a:t>Click to edit Master text styles</a:t>
             </a:r>
           </a:p>
           <a:p>
             <a:pPr lvl="1"/>
             <a:r>
-              <a:rPr lang="en-US" smtClean="0"/>
+              <a:rPr lang="en-US"/>
               <a:t>Second level</a:t>
             </a:r>
           </a:p>
           <a:p>
             <a:pPr lvl="2"/>
             <a:r>
-              <a:rPr lang="en-US" smtClean="0"/>
+              <a:rPr lang="en-US"/>
               <a:t>Third level</a:t>
             </a:r>
           </a:p>
           <a:p>
             <a:pPr lvl="3"/>
             <a:r>
-              <a:rPr lang="en-US" smtClean="0"/>
+              <a:rPr lang="en-US"/>
               <a:t>Fourth level</a:t>
             </a:r>
           </a:p>
           <a:p>
             <a:pPr lvl="4"/>
             <a:r>
-              <a:rPr lang="en-US" smtClean="0"/>
+              <a:rPr lang="en-US"/>
               <a:t>Fifth level</a:t>
             </a:r>
-            <a:endParaRPr lang="en-US"/>
           </a:p>
         </p:txBody>
       </p:sp>
@@ -1007,7 +1004,7 @@
           <a:p>
             <a:fld id="{78C97017-6FC3-485B-9764-EAC9E56C1D49}" type="datetimeFigureOut">
               <a:rPr lang="en-US" smtClean="0"/>
-              <a:t>9/4/17</a:t>
+              <a:t>11/13/2017</a:t>
             </a:fld>
             <a:endParaRPr lang="en-US"/>
           </a:p>
@@ -1101,10 +1098,9 @@
           <a:lstStyle/>
           <a:p>
             <a:r>
-              <a:rPr lang="en-US" smtClean="0"/>
+              <a:rPr lang="en-US"/>
               <a:t>Click to edit Master title style</a:t>
             </a:r>
-            <a:endParaRPr lang="en-US"/>
           </a:p>
         </p:txBody>
       </p:sp>
@@ -1125,38 +1121,37 @@
           <a:p>
             <a:pPr lvl="0"/>
             <a:r>
-              <a:rPr lang="en-US" smtClean="0"/>
+              <a:rPr lang="en-US"/>
               <a:t>Click to edit Master text styles</a:t>
             </a:r>
           </a:p>
           <a:p>
             <a:pPr lvl="1"/>
             <a:r>
-              <a:rPr lang="en-US" smtClean="0"/>
+              <a:rPr lang="en-US"/>
               <a:t>Second level</a:t>
             </a:r>
           </a:p>
           <a:p>
             <a:pPr lvl="2"/>
             <a:r>
-              <a:rPr lang="en-US" smtClean="0"/>
+              <a:rPr lang="en-US"/>
               <a:t>Third level</a:t>
             </a:r>
           </a:p>
           <a:p>
             <a:pPr lvl="3"/>
             <a:r>
-              <a:rPr lang="en-US" smtClean="0"/>
+              <a:rPr lang="en-US"/>
               <a:t>Fourth level</a:t>
             </a:r>
           </a:p>
           <a:p>
             <a:pPr lvl="4"/>
             <a:r>
-              <a:rPr lang="en-US" smtClean="0"/>
+              <a:rPr lang="en-US"/>
               <a:t>Fifth level</a:t>
             </a:r>
-            <a:endParaRPr lang="en-US"/>
           </a:p>
         </p:txBody>
       </p:sp>
@@ -1177,7 +1172,7 @@
           <a:p>
             <a:fld id="{78C97017-6FC3-485B-9764-EAC9E56C1D49}" type="datetimeFigureOut">
               <a:rPr lang="en-US" smtClean="0"/>
-              <a:t>9/4/17</a:t>
+              <a:t>11/13/2017</a:t>
             </a:fld>
             <a:endParaRPr lang="en-US"/>
           </a:p>
@@ -1280,10 +1275,9 @@
           </a:lstStyle>
           <a:p>
             <a:r>
-              <a:rPr lang="en-US" smtClean="0"/>
+              <a:rPr lang="en-US"/>
               <a:t>Click to edit Master title style</a:t>
             </a:r>
-            <a:endParaRPr lang="en-US"/>
           </a:p>
         </p:txBody>
       </p:sp>
@@ -1400,7 +1394,7 @@
           <a:p>
             <a:pPr lvl="0"/>
             <a:r>
-              <a:rPr lang="en-US" smtClean="0"/>
+              <a:rPr lang="en-US"/>
               <a:t>Click to edit Master text styles</a:t>
             </a:r>
           </a:p>
@@ -1423,7 +1417,7 @@
           <a:p>
             <a:fld id="{78C97017-6FC3-485B-9764-EAC9E56C1D49}" type="datetimeFigureOut">
               <a:rPr lang="en-US" smtClean="0"/>
-              <a:t>9/4/17</a:t>
+              <a:t>11/13/2017</a:t>
             </a:fld>
             <a:endParaRPr lang="en-US"/>
           </a:p>
@@ -1517,10 +1511,9 @@
           <a:lstStyle/>
           <a:p>
             <a:r>
-              <a:rPr lang="en-US" smtClean="0"/>
+              <a:rPr lang="en-US"/>
               <a:t>Click to edit Master title style</a:t>
             </a:r>
-            <a:endParaRPr lang="en-US"/>
           </a:p>
         </p:txBody>
       </p:sp>
@@ -1574,38 +1567,37 @@
           <a:p>
             <a:pPr lvl="0"/>
             <a:r>
-              <a:rPr lang="en-US" smtClean="0"/>
+              <a:rPr lang="en-US"/>
               <a:t>Click to edit Master text styles</a:t>
             </a:r>
           </a:p>
           <a:p>
             <a:pPr lvl="1"/>
             <a:r>
-              <a:rPr lang="en-US" smtClean="0"/>
+              <a:rPr lang="en-US"/>
               <a:t>Second level</a:t>
             </a:r>
           </a:p>
           <a:p>
             <a:pPr lvl="2"/>
             <a:r>
-              <a:rPr lang="en-US" smtClean="0"/>
+              <a:rPr lang="en-US"/>
               <a:t>Third level</a:t>
             </a:r>
           </a:p>
           <a:p>
             <a:pPr lvl="3"/>
             <a:r>
-              <a:rPr lang="en-US" smtClean="0"/>
+              <a:rPr lang="en-US"/>
               <a:t>Fourth level</a:t>
             </a:r>
           </a:p>
           <a:p>
             <a:pPr lvl="4"/>
             <a:r>
-              <a:rPr lang="en-US" smtClean="0"/>
+              <a:rPr lang="en-US"/>
               <a:t>Fifth level</a:t>
             </a:r>
-            <a:endParaRPr lang="en-US"/>
           </a:p>
         </p:txBody>
       </p:sp>
@@ -1659,38 +1651,37 @@
           <a:p>
             <a:pPr lvl="0"/>
             <a:r>
-              <a:rPr lang="en-US" smtClean="0"/>
+              <a:rPr lang="en-US"/>
               <a:t>Click to edit Master text styles</a:t>
             </a:r>
           </a:p>
           <a:p>
             <a:pPr lvl="1"/>
             <a:r>
-              <a:rPr lang="en-US" smtClean="0"/>
+              <a:rPr lang="en-US"/>
               <a:t>Second level</a:t>
             </a:r>
           </a:p>
           <a:p>
             <a:pPr lvl="2"/>
             <a:r>
-              <a:rPr lang="en-US" smtClean="0"/>
+              <a:rPr lang="en-US"/>
               <a:t>Third level</a:t>
             </a:r>
           </a:p>
           <a:p>
             <a:pPr lvl="3"/>
             <a:r>
-              <a:rPr lang="en-US" smtClean="0"/>
+              <a:rPr lang="en-US"/>
               <a:t>Fourth level</a:t>
             </a:r>
           </a:p>
           <a:p>
             <a:pPr lvl="4"/>
             <a:r>
-              <a:rPr lang="en-US" smtClean="0"/>
+              <a:rPr lang="en-US"/>
               <a:t>Fifth level</a:t>
             </a:r>
-            <a:endParaRPr lang="en-US"/>
           </a:p>
         </p:txBody>
       </p:sp>
@@ -1711,7 +1702,7 @@
           <a:p>
             <a:fld id="{78C97017-6FC3-485B-9764-EAC9E56C1D49}" type="datetimeFigureOut">
               <a:rPr lang="en-US" smtClean="0"/>
-              <a:t>9/4/17</a:t>
+              <a:t>11/13/2017</a:t>
             </a:fld>
             <a:endParaRPr lang="en-US"/>
           </a:p>
@@ -1809,10 +1800,9 @@
           </a:lstStyle>
           <a:p>
             <a:r>
-              <a:rPr lang="en-US" smtClean="0"/>
+              <a:rPr lang="en-US"/>
               <a:t>Click to edit Master title style</a:t>
             </a:r>
-            <a:endParaRPr lang="en-US"/>
           </a:p>
         </p:txBody>
       </p:sp>
@@ -1875,7 +1865,7 @@
           <a:p>
             <a:pPr lvl="0"/>
             <a:r>
-              <a:rPr lang="en-US" smtClean="0"/>
+              <a:rPr lang="en-US"/>
               <a:t>Click to edit Master text styles</a:t>
             </a:r>
           </a:p>
@@ -1931,38 +1921,37 @@
           <a:p>
             <a:pPr lvl="0"/>
             <a:r>
-              <a:rPr lang="en-US" smtClean="0"/>
+              <a:rPr lang="en-US"/>
               <a:t>Click to edit Master text styles</a:t>
             </a:r>
           </a:p>
           <a:p>
             <a:pPr lvl="1"/>
             <a:r>
-              <a:rPr lang="en-US" smtClean="0"/>
+              <a:rPr lang="en-US"/>
               <a:t>Second level</a:t>
             </a:r>
           </a:p>
           <a:p>
             <a:pPr lvl="2"/>
             <a:r>
-              <a:rPr lang="en-US" smtClean="0"/>
+              <a:rPr lang="en-US"/>
               <a:t>Third level</a:t>
             </a:r>
           </a:p>
           <a:p>
             <a:pPr lvl="3"/>
             <a:r>
-              <a:rPr lang="en-US" smtClean="0"/>
+              <a:rPr lang="en-US"/>
               <a:t>Fourth level</a:t>
             </a:r>
           </a:p>
           <a:p>
             <a:pPr lvl="4"/>
             <a:r>
-              <a:rPr lang="en-US" smtClean="0"/>
+              <a:rPr lang="en-US"/>
               <a:t>Fifth level</a:t>
             </a:r>
-            <a:endParaRPr lang="en-US"/>
           </a:p>
         </p:txBody>
       </p:sp>
@@ -2025,7 +2014,7 @@
           <a:p>
             <a:pPr lvl="0"/>
             <a:r>
-              <a:rPr lang="en-US" smtClean="0"/>
+              <a:rPr lang="en-US"/>
               <a:t>Click to edit Master text styles</a:t>
             </a:r>
           </a:p>
@@ -2081,38 +2070,37 @@
           <a:p>
             <a:pPr lvl="0"/>
             <a:r>
-              <a:rPr lang="en-US" smtClean="0"/>
+              <a:rPr lang="en-US"/>
               <a:t>Click to edit Master text styles</a:t>
             </a:r>
           </a:p>
           <a:p>
             <a:pPr lvl="1"/>
             <a:r>
-              <a:rPr lang="en-US" smtClean="0"/>
+              <a:rPr lang="en-US"/>
               <a:t>Second level</a:t>
             </a:r>
           </a:p>
           <a:p>
             <a:pPr lvl="2"/>
             <a:r>
-              <a:rPr lang="en-US" smtClean="0"/>
+              <a:rPr lang="en-US"/>
               <a:t>Third level</a:t>
             </a:r>
           </a:p>
           <a:p>
             <a:pPr lvl="3"/>
             <a:r>
-              <a:rPr lang="en-US" smtClean="0"/>
+              <a:rPr lang="en-US"/>
               <a:t>Fourth level</a:t>
             </a:r>
           </a:p>
           <a:p>
             <a:pPr lvl="4"/>
             <a:r>
-              <a:rPr lang="en-US" smtClean="0"/>
+              <a:rPr lang="en-US"/>
               <a:t>Fifth level</a:t>
             </a:r>
-            <a:endParaRPr lang="en-US"/>
           </a:p>
         </p:txBody>
       </p:sp>
@@ -2133,7 +2121,7 @@
           <a:p>
             <a:fld id="{78C97017-6FC3-485B-9764-EAC9E56C1D49}" type="datetimeFigureOut">
               <a:rPr lang="en-US" smtClean="0"/>
-              <a:t>9/4/17</a:t>
+              <a:t>11/13/2017</a:t>
             </a:fld>
             <a:endParaRPr lang="en-US"/>
           </a:p>
@@ -2227,10 +2215,9 @@
           <a:lstStyle/>
           <a:p>
             <a:r>
-              <a:rPr lang="en-US" smtClean="0"/>
+              <a:rPr lang="en-US"/>
               <a:t>Click to edit Master title style</a:t>
             </a:r>
-            <a:endParaRPr lang="en-US"/>
           </a:p>
         </p:txBody>
       </p:sp>
@@ -2251,7 +2238,7 @@
           <a:p>
             <a:fld id="{78C97017-6FC3-485B-9764-EAC9E56C1D49}" type="datetimeFigureOut">
               <a:rPr lang="en-US" smtClean="0"/>
-              <a:t>9/4/17</a:t>
+              <a:t>11/13/2017</a:t>
             </a:fld>
             <a:endParaRPr lang="en-US"/>
           </a:p>
@@ -2346,7 +2333,7 @@
           <a:p>
             <a:fld id="{78C97017-6FC3-485B-9764-EAC9E56C1D49}" type="datetimeFigureOut">
               <a:rPr lang="en-US" smtClean="0"/>
-              <a:t>9/4/17</a:t>
+              <a:t>11/13/2017</a:t>
             </a:fld>
             <a:endParaRPr lang="en-US"/>
           </a:p>
@@ -2449,10 +2436,9 @@
           </a:lstStyle>
           <a:p>
             <a:r>
-              <a:rPr lang="en-US" smtClean="0"/>
+              <a:rPr lang="en-US"/>
               <a:t>Click to edit Master title style</a:t>
             </a:r>
-            <a:endParaRPr lang="en-US"/>
           </a:p>
         </p:txBody>
       </p:sp>
@@ -2506,38 +2492,37 @@
           <a:p>
             <a:pPr lvl="0"/>
             <a:r>
-              <a:rPr lang="en-US" smtClean="0"/>
+              <a:rPr lang="en-US"/>
               <a:t>Click to edit Master text styles</a:t>
             </a:r>
           </a:p>
           <a:p>
             <a:pPr lvl="1"/>
             <a:r>
-              <a:rPr lang="en-US" smtClean="0"/>
+              <a:rPr lang="en-US"/>
               <a:t>Second level</a:t>
             </a:r>
           </a:p>
           <a:p>
             <a:pPr lvl="2"/>
             <a:r>
-              <a:rPr lang="en-US" smtClean="0"/>
+              <a:rPr lang="en-US"/>
               <a:t>Third level</a:t>
             </a:r>
           </a:p>
           <a:p>
             <a:pPr lvl="3"/>
             <a:r>
-              <a:rPr lang="en-US" smtClean="0"/>
+              <a:rPr lang="en-US"/>
               <a:t>Fourth level</a:t>
             </a:r>
           </a:p>
           <a:p>
             <a:pPr lvl="4"/>
             <a:r>
-              <a:rPr lang="en-US" smtClean="0"/>
+              <a:rPr lang="en-US"/>
               <a:t>Fifth level</a:t>
             </a:r>
-            <a:endParaRPr lang="en-US"/>
           </a:p>
         </p:txBody>
       </p:sp>
@@ -2600,7 +2585,7 @@
           <a:p>
             <a:pPr lvl="0"/>
             <a:r>
-              <a:rPr lang="en-US" smtClean="0"/>
+              <a:rPr lang="en-US"/>
               <a:t>Click to edit Master text styles</a:t>
             </a:r>
           </a:p>
@@ -2623,7 +2608,7 @@
           <a:p>
             <a:fld id="{78C97017-6FC3-485B-9764-EAC9E56C1D49}" type="datetimeFigureOut">
               <a:rPr lang="en-US" smtClean="0"/>
-              <a:t>9/4/17</a:t>
+              <a:t>11/13/2017</a:t>
             </a:fld>
             <a:endParaRPr lang="en-US"/>
           </a:p>
@@ -2726,10 +2711,9 @@
           </a:lstStyle>
           <a:p>
             <a:r>
-              <a:rPr lang="en-US" smtClean="0"/>
+              <a:rPr lang="en-US"/>
               <a:t>Click to edit Master title style</a:t>
             </a:r>
-            <a:endParaRPr lang="en-US"/>
           </a:p>
         </p:txBody>
       </p:sp>
@@ -2853,7 +2837,7 @@
           <a:p>
             <a:pPr lvl="0"/>
             <a:r>
-              <a:rPr lang="en-US" smtClean="0"/>
+              <a:rPr lang="en-US"/>
               <a:t>Click to edit Master text styles</a:t>
             </a:r>
           </a:p>
@@ -2876,7 +2860,7 @@
           <a:p>
             <a:fld id="{78C97017-6FC3-485B-9764-EAC9E56C1D49}" type="datetimeFigureOut">
               <a:rPr lang="en-US" smtClean="0"/>
-              <a:t>9/4/17</a:t>
+              <a:t>11/13/2017</a:t>
             </a:fld>
             <a:endParaRPr lang="en-US"/>
           </a:p>
@@ -2985,10 +2969,9 @@
           <a:lstStyle/>
           <a:p>
             <a:r>
-              <a:rPr lang="en-US" smtClean="0"/>
+              <a:rPr lang="en-US"/>
               <a:t>Click to edit Master title style</a:t>
             </a:r>
-            <a:endParaRPr lang="en-US"/>
           </a:p>
         </p:txBody>
       </p:sp>
@@ -3019,38 +3002,37 @@
           <a:p>
             <a:pPr lvl="0"/>
             <a:r>
-              <a:rPr lang="en-US" smtClean="0"/>
+              <a:rPr lang="en-US"/>
               <a:t>Click to edit Master text styles</a:t>
             </a:r>
           </a:p>
           <a:p>
             <a:pPr lvl="1"/>
             <a:r>
-              <a:rPr lang="en-US" smtClean="0"/>
+              <a:rPr lang="en-US"/>
               <a:t>Second level</a:t>
             </a:r>
           </a:p>
           <a:p>
             <a:pPr lvl="2"/>
             <a:r>
-              <a:rPr lang="en-US" smtClean="0"/>
+              <a:rPr lang="en-US"/>
               <a:t>Third level</a:t>
             </a:r>
           </a:p>
           <a:p>
             <a:pPr lvl="3"/>
             <a:r>
-              <a:rPr lang="en-US" smtClean="0"/>
+              <a:rPr lang="en-US"/>
               <a:t>Fourth level</a:t>
             </a:r>
           </a:p>
           <a:p>
             <a:pPr lvl="4"/>
             <a:r>
-              <a:rPr lang="en-US" smtClean="0"/>
+              <a:rPr lang="en-US"/>
               <a:t>Fifth level</a:t>
             </a:r>
-            <a:endParaRPr lang="en-US"/>
           </a:p>
         </p:txBody>
       </p:sp>
@@ -3089,7 +3071,7 @@
           <a:p>
             <a:fld id="{78C97017-6FC3-485B-9764-EAC9E56C1D49}" type="datetimeFigureOut">
               <a:rPr lang="en-US" smtClean="0"/>
-              <a:t>9/4/17</a:t>
+              <a:t>11/13/2017</a:t>
             </a:fld>
             <a:endParaRPr lang="en-US"/>
           </a:p>
@@ -3472,8 +3454,8 @@
         </p:nvSpPr>
         <p:spPr>
           <a:xfrm>
-            <a:off x="1119865" y="1727200"/>
-            <a:ext cx="7490735" cy="2997200"/>
+            <a:off x="1119865" y="163840"/>
+            <a:ext cx="7871735" cy="4780301"/>
           </a:xfrm>
           <a:prstGeom prst="roundRect">
             <a:avLst>
@@ -3510,7 +3492,7 @@
           <a:lstStyle/>
           <a:p>
             <a:r>
-              <a:rPr lang="en-US" sz="1200" b="1" dirty="0" smtClean="0">
+              <a:rPr lang="en-US" sz="1200" b="1" dirty="0">
                 <a:solidFill>
                   <a:srgbClr val="7030A0"/>
                 </a:solidFill>
@@ -3569,7 +3551,7 @@
           <a:p>
             <a:pPr algn="ctr"/>
             <a:r>
-              <a:rPr lang="en-US" sz="1050" dirty="0" err="1" smtClean="0">
+              <a:rPr lang="en-US" sz="1050" dirty="0" err="1">
                 <a:solidFill>
                   <a:schemeClr val="bg1"/>
                 </a:solidFill>
@@ -3628,7 +3610,7 @@
           <a:p>
             <a:pPr algn="ctr"/>
             <a:r>
-              <a:rPr lang="en-US" sz="1050" dirty="0" err="1" smtClean="0">
+              <a:rPr lang="en-US" sz="1050" dirty="0" err="1">
                 <a:solidFill>
                   <a:schemeClr val="bg1"/>
                 </a:solidFill>
@@ -3783,7 +3765,7 @@
           <a:p>
             <a:pPr algn="ctr"/>
             <a:r>
-              <a:rPr lang="en-US" sz="1050" dirty="0" smtClean="0">
+              <a:rPr lang="en-US" sz="1050" dirty="0">
                 <a:solidFill>
                   <a:schemeClr val="bg1"/>
                 </a:solidFill>
@@ -4107,7 +4089,7 @@
           <a:p>
             <a:pPr algn="ctr"/>
             <a:r>
-              <a:rPr lang="en-US" sz="1050" dirty="0" err="1" smtClean="0">
+              <a:rPr lang="en-US" sz="1050" dirty="0" err="1">
                 <a:solidFill>
                   <a:srgbClr val="7030A0"/>
                 </a:solidFill>
@@ -4249,7 +4231,7 @@
           <a:p>
             <a:pPr algn="ctr"/>
             <a:r>
-              <a:rPr lang="en-US" sz="1050" dirty="0" err="1" smtClean="0">
+              <a:rPr lang="en-US" sz="1050" dirty="0" err="1">
                 <a:solidFill>
                   <a:srgbClr val="7030A0"/>
                 </a:solidFill>
@@ -4393,7 +4375,7 @@
           <a:p>
             <a:pPr algn="ctr"/>
             <a:r>
-              <a:rPr lang="en-US" sz="1050" dirty="0" err="1" smtClean="0">
+              <a:rPr lang="en-US" sz="1050" dirty="0" err="1">
                 <a:solidFill>
                   <a:srgbClr val="7030A0"/>
                 </a:solidFill>
@@ -4492,7 +4474,7 @@
           <a:p>
             <a:pPr algn="ctr"/>
             <a:r>
-              <a:rPr lang="en-US" sz="1050" dirty="0" smtClean="0">
+              <a:rPr lang="en-US" sz="1050" dirty="0">
                 <a:solidFill>
                   <a:srgbClr val="7030A0"/>
                 </a:solidFill>
@@ -4634,7 +4616,7 @@
           <a:p>
             <a:pPr algn="ctr"/>
             <a:r>
-              <a:rPr lang="en-US" sz="1050" dirty="0" smtClean="0">
+              <a:rPr lang="en-US" sz="1050" dirty="0">
                 <a:solidFill>
                   <a:srgbClr val="7030A0"/>
                 </a:solidFill>
@@ -4776,7 +4758,7 @@
           <a:p>
             <a:pPr algn="ctr"/>
             <a:r>
-              <a:rPr lang="en-US" sz="1050" dirty="0" smtClean="0">
+              <a:rPr lang="en-US" sz="1050" dirty="0">
                 <a:solidFill>
                   <a:srgbClr val="7030A0"/>
                 </a:solidFill>
@@ -4784,14 +4766,14 @@
               <a:t>&lt;&lt;interface&gt;&gt;</a:t>
             </a:r>
             <a:br>
-              <a:rPr lang="en-US" sz="1050" dirty="0" smtClean="0">
+              <a:rPr lang="en-US" sz="1050" dirty="0">
                 <a:solidFill>
                   <a:srgbClr val="7030A0"/>
                 </a:solidFill>
               </a:rPr>
             </a:br>
             <a:r>
-              <a:rPr lang="en-US" sz="1050" dirty="0" err="1" smtClean="0">
+              <a:rPr lang="en-US" sz="1050" dirty="0" err="1">
                 <a:solidFill>
                   <a:srgbClr val="7030A0"/>
                 </a:solidFill>
@@ -4847,7 +4829,7 @@
           <a:p>
             <a:pPr algn="ctr"/>
             <a:r>
-              <a:rPr lang="en-US" sz="1050" dirty="0" smtClean="0">
+              <a:rPr lang="en-US" sz="1050" dirty="0">
                 <a:solidFill>
                   <a:srgbClr val="7030A0"/>
                 </a:solidFill>
@@ -4991,7 +4973,7 @@
           <a:p>
             <a:pPr algn="ctr"/>
             <a:r>
-              <a:rPr lang="en-US" sz="1050" dirty="0" smtClean="0">
+              <a:rPr lang="en-US" sz="1050" dirty="0">
                 <a:solidFill>
                   <a:srgbClr val="7030A0"/>
                 </a:solidFill>
@@ -5088,7 +5070,7 @@
           <a:p>
             <a:pPr algn="ctr"/>
             <a:r>
-              <a:rPr lang="en-US" sz="1050" dirty="0" smtClean="0">
+              <a:rPr lang="en-US" sz="1050" dirty="0">
                 <a:solidFill>
                   <a:srgbClr val="7030A0"/>
                 </a:solidFill>
@@ -5185,7 +5167,7 @@
           <a:p>
             <a:pPr algn="ctr"/>
             <a:r>
-              <a:rPr lang="en-US" sz="1050" dirty="0" smtClean="0">
+              <a:rPr lang="en-US" sz="1050" dirty="0">
                 <a:solidFill>
                   <a:srgbClr val="7030A0"/>
                 </a:solidFill>
@@ -5373,7 +5355,7 @@
           <a:p>
             <a:pPr algn="ctr"/>
             <a:r>
-              <a:rPr lang="en-US" sz="1050" dirty="0" smtClean="0">
+              <a:rPr lang="en-US" sz="1050" dirty="0">
                 <a:solidFill>
                   <a:srgbClr val="7030A0"/>
                 </a:solidFill>
@@ -5381,14 +5363,14 @@
               <a:t>&lt;&lt;interface&gt;&gt;</a:t>
             </a:r>
             <a:br>
-              <a:rPr lang="en-US" sz="1050" dirty="0" smtClean="0">
+              <a:rPr lang="en-US" sz="1050" dirty="0">
                 <a:solidFill>
                   <a:srgbClr val="7030A0"/>
                 </a:solidFill>
               </a:rPr>
             </a:br>
             <a:r>
-              <a:rPr lang="en-US" sz="1050" dirty="0" err="1" smtClean="0">
+              <a:rPr lang="en-US" sz="1050" dirty="0" err="1">
                 <a:solidFill>
                   <a:srgbClr val="7030A0"/>
                 </a:solidFill>
@@ -5427,7 +5409,7 @@
           <a:p>
             <a:pPr algn="r"/>
             <a:r>
-              <a:rPr lang="en-US" sz="1100" dirty="0" smtClean="0">
+              <a:rPr lang="en-US" sz="1100" dirty="0">
                 <a:solidFill>
                   <a:srgbClr val="7030A0"/>
                 </a:solidFill>
@@ -5483,20 +5465,12 @@
           <a:p>
             <a:pPr algn="ctr"/>
             <a:r>
-              <a:rPr lang="en-US" sz="1050" dirty="0" smtClean="0">
+              <a:rPr lang="en-US" sz="1050" dirty="0">
                 <a:solidFill>
                   <a:srgbClr val="7030A0"/>
                 </a:solidFill>
               </a:rPr>
               <a:t>&lt;&lt;interface&gt;&gt;</a:t>
-            </a:r>
-            <a:r>
-              <a:rPr lang="en-US" sz="1050">
-                <a:solidFill>
-                  <a:srgbClr val="7030A0"/>
-                </a:solidFill>
-              </a:rPr>
-              <a:t/>
             </a:r>
             <a:br>
               <a:rPr lang="en-US" sz="1050">
@@ -5506,7 +5480,7 @@
               </a:rPr>
             </a:br>
             <a:r>
-              <a:rPr lang="en-US" sz="1050" dirty="0" err="1" smtClean="0">
+              <a:rPr lang="en-US" sz="1050" dirty="0" err="1">
                 <a:solidFill>
                   <a:srgbClr val="7030A0"/>
                 </a:solidFill>
@@ -5567,15 +5541,15 @@
         <p:nvCxnSpPr>
           <p:cNvPr id="50" name="Elbow Connector 49"/>
           <p:cNvCxnSpPr>
+            <a:cxnSpLocks/>
             <a:stCxn id="62" idx="0"/>
-            <a:endCxn id="57" idx="3"/>
           </p:cNvCxnSpPr>
           <p:nvPr/>
         </p:nvCxnSpPr>
         <p:spPr>
           <a:xfrm rot="16200000" flipV="1">
-            <a:off x="5948976" y="2139271"/>
-            <a:ext cx="404117" cy="1033473"/>
+            <a:off x="6016844" y="2207140"/>
+            <a:ext cx="273312" cy="1028540"/>
           </a:xfrm>
           <a:prstGeom prst="bentConnector2">
             <a:avLst/>
@@ -5628,7 +5602,7 @@
           <a:p>
             <a:pPr algn="ctr"/>
             <a:r>
-              <a:rPr lang="en-US" sz="1100" dirty="0" smtClean="0">
+              <a:rPr lang="en-US" sz="1100" dirty="0">
                 <a:solidFill>
                   <a:srgbClr val="7030A0"/>
                 </a:solidFill>
@@ -5667,7 +5641,7 @@
           <a:p>
             <a:pPr algn="ctr"/>
             <a:r>
-              <a:rPr lang="en-US" sz="1100" dirty="0" smtClean="0">
+              <a:rPr lang="en-US" sz="1100" dirty="0">
                 <a:solidFill>
                   <a:srgbClr val="7030A0"/>
                 </a:solidFill>
@@ -5690,7 +5664,7 @@
         </p:nvSpPr>
         <p:spPr>
           <a:xfrm>
-            <a:off x="5689761" y="2495413"/>
+            <a:off x="5706741" y="2623277"/>
             <a:ext cx="189257" cy="178683"/>
           </a:xfrm>
           <a:prstGeom prst="rect">
@@ -5706,7 +5680,7 @@
           <a:p>
             <a:pPr algn="ctr"/>
             <a:r>
-              <a:rPr lang="en-US" sz="1100" dirty="0" smtClean="0">
+              <a:rPr lang="en-US" sz="1100" dirty="0">
                 <a:solidFill>
                   <a:srgbClr val="7030A0"/>
                 </a:solidFill>
@@ -5745,7 +5719,7 @@
           <a:p>
             <a:pPr algn="ctr"/>
             <a:r>
-              <a:rPr lang="en-US" sz="1100" dirty="0" smtClean="0">
+              <a:rPr lang="en-US" sz="1100" dirty="0">
                 <a:solidFill>
                   <a:srgbClr val="7030A0"/>
                 </a:solidFill>
@@ -5784,7 +5758,7 @@
           <a:p>
             <a:pPr algn="ctr"/>
             <a:r>
-              <a:rPr lang="en-US" sz="1100" dirty="0" smtClean="0">
+              <a:rPr lang="en-US" sz="1100" dirty="0">
                 <a:solidFill>
                   <a:srgbClr val="7030A0"/>
                 </a:solidFill>
@@ -5823,7 +5797,7 @@
           <a:p>
             <a:pPr algn="ctr"/>
             <a:r>
-              <a:rPr lang="en-US" sz="1100" dirty="0" smtClean="0">
+              <a:rPr lang="en-US" sz="1100" dirty="0">
                 <a:solidFill>
                   <a:srgbClr val="7030A0"/>
                 </a:solidFill>
@@ -5862,7 +5836,7 @@
           <a:p>
             <a:pPr algn="ctr"/>
             <a:r>
-              <a:rPr lang="en-US" sz="1100" dirty="0" smtClean="0">
+              <a:rPr lang="en-US" sz="1100" dirty="0">
                 <a:solidFill>
                   <a:srgbClr val="7030A0"/>
                 </a:solidFill>
@@ -5901,7 +5875,7 @@
           <a:p>
             <a:pPr algn="ctr"/>
             <a:r>
-              <a:rPr lang="en-US" sz="1100" dirty="0" smtClean="0">
+              <a:rPr lang="en-US" sz="1100" dirty="0">
                 <a:solidFill>
                   <a:srgbClr val="7030A0"/>
                 </a:solidFill>
@@ -5909,6 +5883,1190 @@
               <a:t>1</a:t>
             </a:r>
             <a:endParaRPr lang="en-SG" sz="1100" dirty="0">
+              <a:solidFill>
+                <a:srgbClr val="7030A0"/>
+              </a:solidFill>
+            </a:endParaRPr>
+          </a:p>
+        </p:txBody>
+      </p:sp>
+      <p:sp>
+        <p:nvSpPr>
+          <p:cNvPr id="55" name="Flowchart: Decision 96">
+            <a:extLst>
+              <a:ext uri="{FF2B5EF4-FFF2-40B4-BE49-F238E27FC236}">
+                <a16:creationId xmlns:a16="http://schemas.microsoft.com/office/drawing/2014/main" id="{9C0691A5-C75A-4D67-A3E6-0E5C26599B87}"/>
+              </a:ext>
+            </a:extLst>
+          </p:cNvPr>
+          <p:cNvSpPr/>
+          <p:nvPr/>
+        </p:nvSpPr>
+        <p:spPr>
+          <a:xfrm>
+            <a:off x="7001635" y="1379196"/>
+            <a:ext cx="236048" cy="173380"/>
+          </a:xfrm>
+          <a:prstGeom prst="flowChartDecision">
+            <a:avLst/>
+          </a:prstGeom>
+          <a:solidFill>
+            <a:srgbClr val="7030A0"/>
+          </a:solidFill>
+          <a:ln w="19050">
+            <a:solidFill>
+              <a:srgbClr val="7030A0"/>
+            </a:solidFill>
+          </a:ln>
+          <a:effectLst/>
+        </p:spPr>
+        <p:style>
+          <a:lnRef idx="1">
+            <a:schemeClr val="accent6"/>
+          </a:lnRef>
+          <a:fillRef idx="2">
+            <a:schemeClr val="accent6"/>
+          </a:fillRef>
+          <a:effectRef idx="1">
+            <a:schemeClr val="accent6"/>
+          </a:effectRef>
+          <a:fontRef idx="minor">
+            <a:schemeClr val="dk1"/>
+          </a:fontRef>
+        </p:style>
+        <p:txBody>
+          <a:bodyPr rtlCol="0" anchor="ctr"/>
+          <a:lstStyle/>
+          <a:p>
+            <a:pPr algn="ctr"/>
+            <a:endParaRPr lang="en-US" sz="1050"/>
+          </a:p>
+        </p:txBody>
+      </p:sp>
+      <p:cxnSp>
+        <p:nvCxnSpPr>
+          <p:cNvPr id="74" name="Elbow Connector 58">
+            <a:extLst>
+              <a:ext uri="{FF2B5EF4-FFF2-40B4-BE49-F238E27FC236}">
+                <a16:creationId xmlns:a16="http://schemas.microsoft.com/office/drawing/2014/main" id="{DB6FE81D-BAFC-40C3-81E0-85EB62D01F4D}"/>
+              </a:ext>
+            </a:extLst>
+          </p:cNvPr>
+          <p:cNvCxnSpPr>
+            <a:cxnSpLocks/>
+            <a:endCxn id="77" idx="1"/>
+          </p:cNvCxnSpPr>
+          <p:nvPr/>
+        </p:nvCxnSpPr>
+        <p:spPr>
+          <a:xfrm rot="5400000" flipH="1" flipV="1">
+            <a:off x="3887782" y="1912562"/>
+            <a:ext cx="1030801" cy="114962"/>
+          </a:xfrm>
+          <a:prstGeom prst="bentConnector2">
+            <a:avLst/>
+          </a:prstGeom>
+          <a:ln>
+            <a:headEnd type="none" w="med" len="med"/>
+            <a:tailEnd type="arrow" w="med" len="med"/>
+          </a:ln>
+        </p:spPr>
+        <p:style>
+          <a:lnRef idx="1">
+            <a:schemeClr val="accent4"/>
+          </a:lnRef>
+          <a:fillRef idx="0">
+            <a:schemeClr val="accent4"/>
+          </a:fillRef>
+          <a:effectRef idx="0">
+            <a:schemeClr val="accent4"/>
+          </a:effectRef>
+          <a:fontRef idx="minor">
+            <a:schemeClr val="tx1"/>
+          </a:fontRef>
+        </p:style>
+      </p:cxnSp>
+      <p:sp>
+        <p:nvSpPr>
+          <p:cNvPr id="77" name="Rectangle 8">
+            <a:extLst>
+              <a:ext uri="{FF2B5EF4-FFF2-40B4-BE49-F238E27FC236}">
+                <a16:creationId xmlns:a16="http://schemas.microsoft.com/office/drawing/2014/main" id="{F754F769-3C02-4486-84CA-2864EE50DBB3}"/>
+              </a:ext>
+            </a:extLst>
+          </p:cNvPr>
+          <p:cNvSpPr/>
+          <p:nvPr/>
+        </p:nvSpPr>
+        <p:spPr>
+          <a:xfrm>
+            <a:off x="4460663" y="1281262"/>
+            <a:ext cx="1156969" cy="346760"/>
+          </a:xfrm>
+          <a:prstGeom prst="rect">
+            <a:avLst/>
+          </a:prstGeom>
+          <a:ln w="19050">
+            <a:solidFill>
+              <a:srgbClr val="7030A0"/>
+            </a:solidFill>
+          </a:ln>
+          <a:effectLst/>
+        </p:spPr>
+        <p:style>
+          <a:lnRef idx="1">
+            <a:schemeClr val="accent4"/>
+          </a:lnRef>
+          <a:fillRef idx="2">
+            <a:schemeClr val="accent4"/>
+          </a:fillRef>
+          <a:effectRef idx="1">
+            <a:schemeClr val="accent4"/>
+          </a:effectRef>
+          <a:fontRef idx="minor">
+            <a:schemeClr val="dk1"/>
+          </a:fontRef>
+        </p:style>
+        <p:txBody>
+          <a:bodyPr rtlCol="0" anchor="ctr"/>
+          <a:lstStyle/>
+          <a:p>
+            <a:pPr algn="ctr"/>
+            <a:r>
+              <a:rPr lang="en-US" sz="1050" dirty="0" err="1">
+                <a:solidFill>
+                  <a:srgbClr val="7030A0"/>
+                </a:solidFill>
+              </a:rPr>
+              <a:t>UniqueTaskList</a:t>
+            </a:r>
+            <a:endParaRPr lang="en-SG" sz="1050" dirty="0">
+              <a:solidFill>
+                <a:srgbClr val="7030A0"/>
+              </a:solidFill>
+            </a:endParaRPr>
+          </a:p>
+        </p:txBody>
+      </p:sp>
+      <p:sp>
+        <p:nvSpPr>
+          <p:cNvPr id="95" name="Flowchart: Decision 96">
+            <a:extLst>
+              <a:ext uri="{FF2B5EF4-FFF2-40B4-BE49-F238E27FC236}">
+                <a16:creationId xmlns:a16="http://schemas.microsoft.com/office/drawing/2014/main" id="{EC811CA5-E686-4AEB-8593-18EFCF2A97E2}"/>
+              </a:ext>
+            </a:extLst>
+          </p:cNvPr>
+          <p:cNvSpPr/>
+          <p:nvPr/>
+        </p:nvSpPr>
+        <p:spPr>
+          <a:xfrm>
+            <a:off x="5617632" y="1379763"/>
+            <a:ext cx="236048" cy="173380"/>
+          </a:xfrm>
+          <a:prstGeom prst="flowChartDecision">
+            <a:avLst/>
+          </a:prstGeom>
+          <a:noFill/>
+          <a:ln w="19050">
+            <a:solidFill>
+              <a:srgbClr val="7030A0"/>
+            </a:solidFill>
+          </a:ln>
+          <a:effectLst/>
+        </p:spPr>
+        <p:style>
+          <a:lnRef idx="1">
+            <a:schemeClr val="accent6"/>
+          </a:lnRef>
+          <a:fillRef idx="2">
+            <a:schemeClr val="accent6"/>
+          </a:fillRef>
+          <a:effectRef idx="1">
+            <a:schemeClr val="accent6"/>
+          </a:effectRef>
+          <a:fontRef idx="minor">
+            <a:schemeClr val="dk1"/>
+          </a:fontRef>
+        </p:style>
+        <p:txBody>
+          <a:bodyPr rtlCol="0" anchor="ctr"/>
+          <a:lstStyle/>
+          <a:p>
+            <a:pPr algn="ctr"/>
+            <a:endParaRPr lang="en-US" sz="1050"/>
+          </a:p>
+        </p:txBody>
+      </p:sp>
+      <p:sp>
+        <p:nvSpPr>
+          <p:cNvPr id="98" name="TextBox 97">
+            <a:extLst>
+              <a:ext uri="{FF2B5EF4-FFF2-40B4-BE49-F238E27FC236}">
+                <a16:creationId xmlns:a16="http://schemas.microsoft.com/office/drawing/2014/main" id="{D8DFCCEC-224B-4E27-B0CC-E6AEBA781225}"/>
+              </a:ext>
+            </a:extLst>
+          </p:cNvPr>
+          <p:cNvSpPr txBox="1"/>
+          <p:nvPr/>
+        </p:nvSpPr>
+        <p:spPr>
+          <a:xfrm>
+            <a:off x="4297760" y="1246022"/>
+            <a:ext cx="189257" cy="178683"/>
+          </a:xfrm>
+          <a:prstGeom prst="rect">
+            <a:avLst/>
+          </a:prstGeom>
+          <a:noFill/>
+        </p:spPr>
+        <p:txBody>
+          <a:bodyPr wrap="square" lIns="0" tIns="0" rIns="0" bIns="0" rtlCol="0">
+            <a:noAutofit/>
+          </a:bodyPr>
+          <a:lstStyle/>
+          <a:p>
+            <a:pPr algn="ctr"/>
+            <a:r>
+              <a:rPr lang="en-US" sz="1100" dirty="0">
+                <a:solidFill>
+                  <a:srgbClr val="7030A0"/>
+                </a:solidFill>
+              </a:rPr>
+              <a:t>1</a:t>
+            </a:r>
+            <a:endParaRPr lang="en-SG" sz="1100" dirty="0">
+              <a:solidFill>
+                <a:srgbClr val="7030A0"/>
+              </a:solidFill>
+            </a:endParaRPr>
+          </a:p>
+        </p:txBody>
+      </p:sp>
+      <p:cxnSp>
+        <p:nvCxnSpPr>
+          <p:cNvPr id="101" name="Elbow Connector 63">
+            <a:extLst>
+              <a:ext uri="{FF2B5EF4-FFF2-40B4-BE49-F238E27FC236}">
+                <a16:creationId xmlns:a16="http://schemas.microsoft.com/office/drawing/2014/main" id="{91B1D92C-0C8B-4852-BC14-075A0141296F}"/>
+              </a:ext>
+            </a:extLst>
+          </p:cNvPr>
+          <p:cNvCxnSpPr/>
+          <p:nvPr/>
+        </p:nvCxnSpPr>
+        <p:spPr>
+          <a:xfrm>
+            <a:off x="5853680" y="1466453"/>
+            <a:ext cx="434402" cy="777"/>
+          </a:xfrm>
+          <a:prstGeom prst="bentConnector3">
+            <a:avLst/>
+          </a:prstGeom>
+          <a:ln w="19050">
+            <a:solidFill>
+              <a:srgbClr val="7030A0"/>
+            </a:solidFill>
+            <a:headEnd type="none" w="med" len="med"/>
+            <a:tailEnd type="arrow" w="med" len="med"/>
+          </a:ln>
+          <a:effectLst/>
+        </p:spPr>
+        <p:style>
+          <a:lnRef idx="1">
+            <a:schemeClr val="accent2"/>
+          </a:lnRef>
+          <a:fillRef idx="2">
+            <a:schemeClr val="accent2"/>
+          </a:fillRef>
+          <a:effectRef idx="1">
+            <a:schemeClr val="accent2"/>
+          </a:effectRef>
+          <a:fontRef idx="minor">
+            <a:schemeClr val="dk1"/>
+          </a:fontRef>
+        </p:style>
+      </p:cxnSp>
+      <p:sp>
+        <p:nvSpPr>
+          <p:cNvPr id="103" name="Rectangle 8">
+            <a:extLst>
+              <a:ext uri="{FF2B5EF4-FFF2-40B4-BE49-F238E27FC236}">
+                <a16:creationId xmlns:a16="http://schemas.microsoft.com/office/drawing/2014/main" id="{6832914D-78EC-4625-94C8-F270C0F4B6EA}"/>
+              </a:ext>
+            </a:extLst>
+          </p:cNvPr>
+          <p:cNvSpPr/>
+          <p:nvPr/>
+        </p:nvSpPr>
+        <p:spPr>
+          <a:xfrm>
+            <a:off x="6282040" y="1281262"/>
+            <a:ext cx="708186" cy="346760"/>
+          </a:xfrm>
+          <a:prstGeom prst="rect">
+            <a:avLst/>
+          </a:prstGeom>
+          <a:ln w="19050">
+            <a:solidFill>
+              <a:srgbClr val="7030A0"/>
+            </a:solidFill>
+          </a:ln>
+          <a:effectLst/>
+        </p:spPr>
+        <p:style>
+          <a:lnRef idx="1">
+            <a:schemeClr val="accent4"/>
+          </a:lnRef>
+          <a:fillRef idx="2">
+            <a:schemeClr val="accent4"/>
+          </a:fillRef>
+          <a:effectRef idx="1">
+            <a:schemeClr val="accent4"/>
+          </a:effectRef>
+          <a:fontRef idx="minor">
+            <a:schemeClr val="dk1"/>
+          </a:fontRef>
+        </p:style>
+        <p:txBody>
+          <a:bodyPr rtlCol="0" anchor="ctr"/>
+          <a:lstStyle/>
+          <a:p>
+            <a:pPr algn="ctr"/>
+            <a:r>
+              <a:rPr lang="en-US" sz="1050" dirty="0">
+                <a:solidFill>
+                  <a:srgbClr val="7030A0"/>
+                </a:solidFill>
+              </a:rPr>
+              <a:t>Task</a:t>
+            </a:r>
+            <a:endParaRPr lang="en-SG" sz="1050" dirty="0">
+              <a:solidFill>
+                <a:srgbClr val="7030A0"/>
+              </a:solidFill>
+            </a:endParaRPr>
+          </a:p>
+        </p:txBody>
+      </p:sp>
+      <p:cxnSp>
+        <p:nvCxnSpPr>
+          <p:cNvPr id="105" name="Elbow Connector 83">
+            <a:extLst>
+              <a:ext uri="{FF2B5EF4-FFF2-40B4-BE49-F238E27FC236}">
+                <a16:creationId xmlns:a16="http://schemas.microsoft.com/office/drawing/2014/main" id="{667860C1-B469-4E02-A781-F35E86EE96B9}"/>
+              </a:ext>
+            </a:extLst>
+          </p:cNvPr>
+          <p:cNvCxnSpPr/>
+          <p:nvPr/>
+        </p:nvCxnSpPr>
+        <p:spPr>
+          <a:xfrm>
+            <a:off x="7230256" y="1468924"/>
+            <a:ext cx="434402" cy="318195"/>
+          </a:xfrm>
+          <a:prstGeom prst="bentConnector3">
+            <a:avLst/>
+          </a:prstGeom>
+          <a:ln w="19050">
+            <a:solidFill>
+              <a:srgbClr val="7030A0"/>
+            </a:solidFill>
+            <a:headEnd type="none" w="med" len="med"/>
+            <a:tailEnd type="arrow" w="med" len="med"/>
+          </a:ln>
+          <a:effectLst/>
+        </p:spPr>
+        <p:style>
+          <a:lnRef idx="1">
+            <a:schemeClr val="accent2"/>
+          </a:lnRef>
+          <a:fillRef idx="2">
+            <a:schemeClr val="accent2"/>
+          </a:fillRef>
+          <a:effectRef idx="1">
+            <a:schemeClr val="accent2"/>
+          </a:effectRef>
+          <a:fontRef idx="minor">
+            <a:schemeClr val="dk1"/>
+          </a:fontRef>
+        </p:style>
+      </p:cxnSp>
+      <p:cxnSp>
+        <p:nvCxnSpPr>
+          <p:cNvPr id="106" name="Elbow Connector 80">
+            <a:extLst>
+              <a:ext uri="{FF2B5EF4-FFF2-40B4-BE49-F238E27FC236}">
+                <a16:creationId xmlns:a16="http://schemas.microsoft.com/office/drawing/2014/main" id="{97FCEE44-803A-46FF-8EC3-D1E7A79266E5}"/>
+              </a:ext>
+            </a:extLst>
+          </p:cNvPr>
+          <p:cNvCxnSpPr/>
+          <p:nvPr/>
+        </p:nvCxnSpPr>
+        <p:spPr>
+          <a:xfrm flipV="1">
+            <a:off x="7248082" y="1465886"/>
+            <a:ext cx="434402" cy="4783"/>
+          </a:xfrm>
+          <a:prstGeom prst="bentConnector3">
+            <a:avLst/>
+          </a:prstGeom>
+          <a:ln w="19050">
+            <a:solidFill>
+              <a:srgbClr val="7030A0"/>
+            </a:solidFill>
+            <a:headEnd type="none" w="med" len="med"/>
+            <a:tailEnd type="arrow" w="med" len="med"/>
+          </a:ln>
+          <a:effectLst/>
+        </p:spPr>
+        <p:style>
+          <a:lnRef idx="1">
+            <a:schemeClr val="accent2"/>
+          </a:lnRef>
+          <a:fillRef idx="2">
+            <a:schemeClr val="accent2"/>
+          </a:fillRef>
+          <a:effectRef idx="1">
+            <a:schemeClr val="accent2"/>
+          </a:effectRef>
+          <a:fontRef idx="minor">
+            <a:schemeClr val="dk1"/>
+          </a:fontRef>
+        </p:style>
+      </p:cxnSp>
+      <p:sp>
+        <p:nvSpPr>
+          <p:cNvPr id="108" name="Rectangle 8">
+            <a:extLst>
+              <a:ext uri="{FF2B5EF4-FFF2-40B4-BE49-F238E27FC236}">
+                <a16:creationId xmlns:a16="http://schemas.microsoft.com/office/drawing/2014/main" id="{12D764D4-DDEA-4036-9B32-3039FD80F111}"/>
+              </a:ext>
+            </a:extLst>
+          </p:cNvPr>
+          <p:cNvSpPr/>
+          <p:nvPr/>
+        </p:nvSpPr>
+        <p:spPr>
+          <a:xfrm>
+            <a:off x="7662228" y="1306752"/>
+            <a:ext cx="940621" cy="275190"/>
+          </a:xfrm>
+          <a:prstGeom prst="rect">
+            <a:avLst/>
+          </a:prstGeom>
+          <a:ln w="19050">
+            <a:solidFill>
+              <a:srgbClr val="7030A0"/>
+            </a:solidFill>
+          </a:ln>
+          <a:effectLst/>
+        </p:spPr>
+        <p:style>
+          <a:lnRef idx="1">
+            <a:schemeClr val="accent4"/>
+          </a:lnRef>
+          <a:fillRef idx="2">
+            <a:schemeClr val="accent4"/>
+          </a:fillRef>
+          <a:effectRef idx="1">
+            <a:schemeClr val="accent4"/>
+          </a:effectRef>
+          <a:fontRef idx="minor">
+            <a:schemeClr val="dk1"/>
+          </a:fontRef>
+        </p:style>
+        <p:txBody>
+          <a:bodyPr rtlCol="0" anchor="ctr"/>
+          <a:lstStyle/>
+          <a:p>
+            <a:pPr algn="ctr"/>
+            <a:r>
+              <a:rPr lang="en-US" sz="1050" dirty="0">
+                <a:solidFill>
+                  <a:srgbClr val="7030A0"/>
+                </a:solidFill>
+              </a:rPr>
+              <a:t>Description</a:t>
+            </a:r>
+            <a:endParaRPr lang="en-SG" sz="1050" dirty="0">
+              <a:solidFill>
+                <a:srgbClr val="7030A0"/>
+              </a:solidFill>
+            </a:endParaRPr>
+          </a:p>
+        </p:txBody>
+      </p:sp>
+      <p:sp>
+        <p:nvSpPr>
+          <p:cNvPr id="109" name="Rectangle 8">
+            <a:extLst>
+              <a:ext uri="{FF2B5EF4-FFF2-40B4-BE49-F238E27FC236}">
+                <a16:creationId xmlns:a16="http://schemas.microsoft.com/office/drawing/2014/main" id="{60B89011-1A38-4167-889E-587A828B076E}"/>
+              </a:ext>
+            </a:extLst>
+          </p:cNvPr>
+          <p:cNvSpPr/>
+          <p:nvPr/>
+        </p:nvSpPr>
+        <p:spPr>
+          <a:xfrm>
+            <a:off x="7662227" y="1956615"/>
+            <a:ext cx="940621" cy="284646"/>
+          </a:xfrm>
+          <a:prstGeom prst="rect">
+            <a:avLst/>
+          </a:prstGeom>
+          <a:ln w="19050">
+            <a:solidFill>
+              <a:srgbClr val="7030A0"/>
+            </a:solidFill>
+          </a:ln>
+          <a:effectLst/>
+        </p:spPr>
+        <p:style>
+          <a:lnRef idx="1">
+            <a:schemeClr val="accent4"/>
+          </a:lnRef>
+          <a:fillRef idx="2">
+            <a:schemeClr val="accent4"/>
+          </a:fillRef>
+          <a:effectRef idx="1">
+            <a:schemeClr val="accent4"/>
+          </a:effectRef>
+          <a:fontRef idx="minor">
+            <a:schemeClr val="dk1"/>
+          </a:fontRef>
+        </p:style>
+        <p:txBody>
+          <a:bodyPr rtlCol="0" anchor="ctr"/>
+          <a:lstStyle/>
+          <a:p>
+            <a:pPr algn="ctr"/>
+            <a:r>
+              <a:rPr lang="en-US" sz="1050" dirty="0" err="1">
+                <a:solidFill>
+                  <a:srgbClr val="7030A0"/>
+                </a:solidFill>
+              </a:rPr>
+              <a:t>EventTime</a:t>
+            </a:r>
+            <a:endParaRPr lang="en-SG" sz="1050" dirty="0">
+              <a:solidFill>
+                <a:srgbClr val="7030A0"/>
+              </a:solidFill>
+            </a:endParaRPr>
+          </a:p>
+        </p:txBody>
+      </p:sp>
+      <p:cxnSp>
+        <p:nvCxnSpPr>
+          <p:cNvPr id="111" name="Elbow Connector 106">
+            <a:extLst>
+              <a:ext uri="{FF2B5EF4-FFF2-40B4-BE49-F238E27FC236}">
+                <a16:creationId xmlns:a16="http://schemas.microsoft.com/office/drawing/2014/main" id="{B6F179ED-8591-4027-97F0-8C66F3E044EE}"/>
+              </a:ext>
+            </a:extLst>
+          </p:cNvPr>
+          <p:cNvCxnSpPr>
+            <a:cxnSpLocks/>
+            <a:endCxn id="103" idx="0"/>
+          </p:cNvCxnSpPr>
+          <p:nvPr/>
+        </p:nvCxnSpPr>
+        <p:spPr>
+          <a:xfrm flipV="1">
+            <a:off x="2230780" y="1281262"/>
+            <a:ext cx="4405353" cy="1194210"/>
+          </a:xfrm>
+          <a:prstGeom prst="bentConnector4">
+            <a:avLst>
+              <a:gd name="adj1" fmla="val -3"/>
+              <a:gd name="adj2" fmla="val 119142"/>
+            </a:avLst>
+          </a:prstGeom>
+          <a:ln w="19050">
+            <a:solidFill>
+              <a:srgbClr val="7030A0"/>
+            </a:solidFill>
+            <a:prstDash val="solid"/>
+            <a:headEnd type="none" w="med" len="med"/>
+            <a:tailEnd type="arrow" w="med" len="med"/>
+          </a:ln>
+          <a:effectLst/>
+        </p:spPr>
+        <p:style>
+          <a:lnRef idx="1">
+            <a:schemeClr val="accent2"/>
+          </a:lnRef>
+          <a:fillRef idx="2">
+            <a:schemeClr val="accent2"/>
+          </a:fillRef>
+          <a:effectRef idx="1">
+            <a:schemeClr val="accent2"/>
+          </a:effectRef>
+          <a:fontRef idx="minor">
+            <a:schemeClr val="dk1"/>
+          </a:fontRef>
+        </p:style>
+      </p:cxnSp>
+      <p:sp>
+        <p:nvSpPr>
+          <p:cNvPr id="116" name="TextBox 115">
+            <a:extLst>
+              <a:ext uri="{FF2B5EF4-FFF2-40B4-BE49-F238E27FC236}">
+                <a16:creationId xmlns:a16="http://schemas.microsoft.com/office/drawing/2014/main" id="{25ED7236-0320-486E-AFAF-38DEF4E8553E}"/>
+              </a:ext>
+            </a:extLst>
+          </p:cNvPr>
+          <p:cNvSpPr txBox="1"/>
+          <p:nvPr/>
+        </p:nvSpPr>
+        <p:spPr>
+          <a:xfrm>
+            <a:off x="5706741" y="837482"/>
+            <a:ext cx="881018" cy="261610"/>
+          </a:xfrm>
+          <a:prstGeom prst="rect">
+            <a:avLst/>
+          </a:prstGeom>
+          <a:noFill/>
+        </p:spPr>
+        <p:txBody>
+          <a:bodyPr wrap="square" rtlCol="0">
+            <a:spAutoFit/>
+          </a:bodyPr>
+          <a:lstStyle/>
+          <a:p>
+            <a:pPr algn="r"/>
+            <a:r>
+              <a:rPr lang="en-US" sz="1100" dirty="0">
+                <a:solidFill>
+                  <a:srgbClr val="7030A0"/>
+                </a:solidFill>
+              </a:rPr>
+              <a:t>filtered list</a:t>
+            </a:r>
+            <a:endParaRPr lang="en-SG" sz="1100" dirty="0">
+              <a:solidFill>
+                <a:srgbClr val="7030A0"/>
+              </a:solidFill>
+            </a:endParaRPr>
+          </a:p>
+        </p:txBody>
+      </p:sp>
+      <p:cxnSp>
+        <p:nvCxnSpPr>
+          <p:cNvPr id="117" name="Elbow Connector 49">
+            <a:extLst>
+              <a:ext uri="{FF2B5EF4-FFF2-40B4-BE49-F238E27FC236}">
+                <a16:creationId xmlns:a16="http://schemas.microsoft.com/office/drawing/2014/main" id="{5E885204-AC82-474E-80A6-E5F2E805EB0A}"/>
+              </a:ext>
+            </a:extLst>
+          </p:cNvPr>
+          <p:cNvCxnSpPr>
+            <a:cxnSpLocks/>
+            <a:stCxn id="103" idx="2"/>
+          </p:cNvCxnSpPr>
+          <p:nvPr/>
+        </p:nvCxnSpPr>
+        <p:spPr>
+          <a:xfrm rot="5400000">
+            <a:off x="5778934" y="1485927"/>
+            <a:ext cx="715105" cy="999295"/>
+          </a:xfrm>
+          <a:prstGeom prst="bentConnector2">
+            <a:avLst/>
+          </a:prstGeom>
+          <a:ln w="19050">
+            <a:solidFill>
+              <a:srgbClr val="7030A0"/>
+            </a:solidFill>
+            <a:headEnd type="none" w="med" len="med"/>
+            <a:tailEnd type="arrow" w="med" len="med"/>
+          </a:ln>
+          <a:effectLst/>
+        </p:spPr>
+        <p:style>
+          <a:lnRef idx="1">
+            <a:schemeClr val="accent2"/>
+          </a:lnRef>
+          <a:fillRef idx="2">
+            <a:schemeClr val="accent2"/>
+          </a:fillRef>
+          <a:effectRef idx="1">
+            <a:schemeClr val="accent2"/>
+          </a:effectRef>
+          <a:fontRef idx="minor">
+            <a:schemeClr val="dk1"/>
+          </a:fontRef>
+        </p:style>
+      </p:cxnSp>
+      <p:sp>
+        <p:nvSpPr>
+          <p:cNvPr id="121" name="TextBox 120">
+            <a:extLst>
+              <a:ext uri="{FF2B5EF4-FFF2-40B4-BE49-F238E27FC236}">
+                <a16:creationId xmlns:a16="http://schemas.microsoft.com/office/drawing/2014/main" id="{06D82276-31DE-4BF2-828B-E249CE630B4B}"/>
+              </a:ext>
+            </a:extLst>
+          </p:cNvPr>
+          <p:cNvSpPr txBox="1"/>
+          <p:nvPr/>
+        </p:nvSpPr>
+        <p:spPr>
+          <a:xfrm>
+            <a:off x="5702017" y="2367241"/>
+            <a:ext cx="189257" cy="178683"/>
+          </a:xfrm>
+          <a:prstGeom prst="rect">
+            <a:avLst/>
+          </a:prstGeom>
+          <a:noFill/>
+        </p:spPr>
+        <p:txBody>
+          <a:bodyPr wrap="square" lIns="0" tIns="0" rIns="0" bIns="0" rtlCol="0">
+            <a:noAutofit/>
+          </a:bodyPr>
+          <a:lstStyle/>
+          <a:p>
+            <a:pPr algn="ctr"/>
+            <a:r>
+              <a:rPr lang="en-US" sz="1100" dirty="0">
+                <a:solidFill>
+                  <a:srgbClr val="7030A0"/>
+                </a:solidFill>
+              </a:rPr>
+              <a:t>1</a:t>
+            </a:r>
+            <a:endParaRPr lang="en-SG" sz="1100" dirty="0">
+              <a:solidFill>
+                <a:srgbClr val="7030A0"/>
+              </a:solidFill>
+            </a:endParaRPr>
+          </a:p>
+        </p:txBody>
+      </p:sp>
+      <p:sp>
+        <p:nvSpPr>
+          <p:cNvPr id="123" name="TextBox 122">
+            <a:extLst>
+              <a:ext uri="{FF2B5EF4-FFF2-40B4-BE49-F238E27FC236}">
+                <a16:creationId xmlns:a16="http://schemas.microsoft.com/office/drawing/2014/main" id="{1866A763-6D62-4701-A174-5D25A717D62E}"/>
+              </a:ext>
+            </a:extLst>
+          </p:cNvPr>
+          <p:cNvSpPr txBox="1"/>
+          <p:nvPr/>
+        </p:nvSpPr>
+        <p:spPr>
+          <a:xfrm>
+            <a:off x="7504192" y="2204978"/>
+            <a:ext cx="189257" cy="178683"/>
+          </a:xfrm>
+          <a:prstGeom prst="rect">
+            <a:avLst/>
+          </a:prstGeom>
+          <a:noFill/>
+        </p:spPr>
+        <p:txBody>
+          <a:bodyPr wrap="square" lIns="0" tIns="0" rIns="0" bIns="0" rtlCol="0">
+            <a:noAutofit/>
+          </a:bodyPr>
+          <a:lstStyle/>
+          <a:p>
+            <a:pPr algn="ctr"/>
+            <a:r>
+              <a:rPr lang="en-US" sz="1100" dirty="0">
+                <a:solidFill>
+                  <a:srgbClr val="7030A0"/>
+                </a:solidFill>
+              </a:rPr>
+              <a:t>2</a:t>
+            </a:r>
+            <a:endParaRPr lang="en-SG" sz="1100" dirty="0">
+              <a:solidFill>
+                <a:srgbClr val="7030A0"/>
+              </a:solidFill>
+            </a:endParaRPr>
+          </a:p>
+        </p:txBody>
+      </p:sp>
+      <p:sp>
+        <p:nvSpPr>
+          <p:cNvPr id="125" name="TextBox 124">
+            <a:extLst>
+              <a:ext uri="{FF2B5EF4-FFF2-40B4-BE49-F238E27FC236}">
+                <a16:creationId xmlns:a16="http://schemas.microsoft.com/office/drawing/2014/main" id="{FA519C98-759E-4A8C-8589-1E65D5B01D6F}"/>
+              </a:ext>
+            </a:extLst>
+          </p:cNvPr>
+          <p:cNvSpPr txBox="1"/>
+          <p:nvPr/>
+        </p:nvSpPr>
+        <p:spPr>
+          <a:xfrm>
+            <a:off x="6646039" y="1144169"/>
+            <a:ext cx="189257" cy="178683"/>
+          </a:xfrm>
+          <a:prstGeom prst="rect">
+            <a:avLst/>
+          </a:prstGeom>
+          <a:noFill/>
+        </p:spPr>
+        <p:txBody>
+          <a:bodyPr wrap="square" lIns="0" tIns="0" rIns="0" bIns="0" rtlCol="0">
+            <a:noAutofit/>
+          </a:bodyPr>
+          <a:lstStyle/>
+          <a:p>
+            <a:pPr algn="ctr"/>
+            <a:r>
+              <a:rPr lang="en-US" sz="1100" dirty="0">
+                <a:solidFill>
+                  <a:srgbClr val="7030A0"/>
+                </a:solidFill>
+              </a:rPr>
+              <a:t>1</a:t>
+            </a:r>
+            <a:endParaRPr lang="en-SG" sz="1100" dirty="0">
+              <a:solidFill>
+                <a:srgbClr val="7030A0"/>
+              </a:solidFill>
+            </a:endParaRPr>
+          </a:p>
+        </p:txBody>
+      </p:sp>
+      <p:sp>
+        <p:nvSpPr>
+          <p:cNvPr id="126" name="Rectangle 8">
+            <a:extLst>
+              <a:ext uri="{FF2B5EF4-FFF2-40B4-BE49-F238E27FC236}">
+                <a16:creationId xmlns:a16="http://schemas.microsoft.com/office/drawing/2014/main" id="{C13FA73C-6595-48C8-AC9D-B219BC3DD6AC}"/>
+              </a:ext>
+            </a:extLst>
+          </p:cNvPr>
+          <p:cNvSpPr/>
+          <p:nvPr/>
+        </p:nvSpPr>
+        <p:spPr>
+          <a:xfrm>
+            <a:off x="5123532" y="291465"/>
+            <a:ext cx="1156969" cy="346760"/>
+          </a:xfrm>
+          <a:prstGeom prst="rect">
+            <a:avLst/>
+          </a:prstGeom>
+          <a:ln w="19050">
+            <a:solidFill>
+              <a:srgbClr val="7030A0"/>
+            </a:solidFill>
+          </a:ln>
+          <a:effectLst/>
+        </p:spPr>
+        <p:style>
+          <a:lnRef idx="1">
+            <a:schemeClr val="accent4"/>
+          </a:lnRef>
+          <a:fillRef idx="2">
+            <a:schemeClr val="accent4"/>
+          </a:fillRef>
+          <a:effectRef idx="1">
+            <a:schemeClr val="accent4"/>
+          </a:effectRef>
+          <a:fontRef idx="minor">
+            <a:schemeClr val="dk1"/>
+          </a:fontRef>
+        </p:style>
+        <p:txBody>
+          <a:bodyPr rtlCol="0" anchor="ctr"/>
+          <a:lstStyle/>
+          <a:p>
+            <a:pPr algn="ctr"/>
+            <a:r>
+              <a:rPr lang="en-US" sz="1050" dirty="0">
+                <a:solidFill>
+                  <a:srgbClr val="7030A0"/>
+                </a:solidFill>
+              </a:rPr>
+              <a:t>&lt;&lt;interface&gt;&gt;</a:t>
+            </a:r>
+            <a:br>
+              <a:rPr lang="en-US" sz="1050" dirty="0">
+                <a:solidFill>
+                  <a:srgbClr val="7030A0"/>
+                </a:solidFill>
+              </a:rPr>
+            </a:br>
+            <a:r>
+              <a:rPr lang="en-US" sz="1050" dirty="0" err="1">
+                <a:solidFill>
+                  <a:srgbClr val="7030A0"/>
+                </a:solidFill>
+              </a:rPr>
+              <a:t>ReadOnlyTask</a:t>
+            </a:r>
+            <a:endParaRPr lang="en-SG" sz="1050" dirty="0">
+              <a:solidFill>
+                <a:srgbClr val="7030A0"/>
+              </a:solidFill>
+            </a:endParaRPr>
+          </a:p>
+        </p:txBody>
+      </p:sp>
+      <p:cxnSp>
+        <p:nvCxnSpPr>
+          <p:cNvPr id="127" name="Elbow Connector 63">
+            <a:extLst>
+              <a:ext uri="{FF2B5EF4-FFF2-40B4-BE49-F238E27FC236}">
+                <a16:creationId xmlns:a16="http://schemas.microsoft.com/office/drawing/2014/main" id="{3DCFB240-9F31-495B-8740-67639A9CB683}"/>
+              </a:ext>
+            </a:extLst>
+          </p:cNvPr>
+          <p:cNvCxnSpPr>
+            <a:cxnSpLocks/>
+          </p:cNvCxnSpPr>
+          <p:nvPr/>
+        </p:nvCxnSpPr>
+        <p:spPr>
+          <a:xfrm rot="16200000" flipH="1">
+            <a:off x="6242590" y="638602"/>
+            <a:ext cx="799209" cy="451694"/>
+          </a:xfrm>
+          <a:prstGeom prst="bentConnector3">
+            <a:avLst>
+              <a:gd name="adj1" fmla="val 2474"/>
+            </a:avLst>
+          </a:prstGeom>
+          <a:ln w="19050">
+            <a:solidFill>
+              <a:srgbClr val="7030A0"/>
+            </a:solidFill>
+            <a:prstDash val="sysDot"/>
+            <a:headEnd type="none" w="med" len="med"/>
+            <a:tailEnd type="none" w="med" len="med"/>
+          </a:ln>
+          <a:effectLst/>
+        </p:spPr>
+        <p:style>
+          <a:lnRef idx="1">
+            <a:schemeClr val="accent2"/>
+          </a:lnRef>
+          <a:fillRef idx="2">
+            <a:schemeClr val="accent2"/>
+          </a:fillRef>
+          <a:effectRef idx="1">
+            <a:schemeClr val="accent2"/>
+          </a:effectRef>
+          <a:fontRef idx="minor">
+            <a:schemeClr val="dk1"/>
+          </a:fontRef>
+        </p:style>
+      </p:cxnSp>
+      <p:sp>
+        <p:nvSpPr>
+          <p:cNvPr id="128" name="Isosceles Triangle 102">
+            <a:extLst>
+              <a:ext uri="{FF2B5EF4-FFF2-40B4-BE49-F238E27FC236}">
+                <a16:creationId xmlns:a16="http://schemas.microsoft.com/office/drawing/2014/main" id="{72357C98-B421-45F9-90C1-908CB581A3EE}"/>
+              </a:ext>
+            </a:extLst>
+          </p:cNvPr>
+          <p:cNvSpPr/>
+          <p:nvPr/>
+        </p:nvSpPr>
+        <p:spPr>
+          <a:xfrm rot="5400000" flipV="1">
+            <a:off x="6234490" y="383911"/>
+            <a:ext cx="270504" cy="175523"/>
+          </a:xfrm>
+          <a:prstGeom prst="triangle">
+            <a:avLst/>
+          </a:prstGeom>
+          <a:solidFill>
+            <a:srgbClr val="7030A0"/>
+          </a:solidFill>
+          <a:ln w="19050">
+            <a:solidFill>
+              <a:srgbClr val="7030A0"/>
+            </a:solidFill>
+          </a:ln>
+          <a:effectLst/>
+        </p:spPr>
+        <p:style>
+          <a:lnRef idx="1">
+            <a:schemeClr val="accent4"/>
+          </a:lnRef>
+          <a:fillRef idx="2">
+            <a:schemeClr val="accent4"/>
+          </a:fillRef>
+          <a:effectRef idx="1">
+            <a:schemeClr val="accent4"/>
+          </a:effectRef>
+          <a:fontRef idx="minor">
+            <a:schemeClr val="dk1"/>
+          </a:fontRef>
+        </p:style>
+        <p:txBody>
+          <a:bodyPr rtlCol="0" anchor="ctr"/>
+          <a:lstStyle/>
+          <a:p>
+            <a:pPr algn="ctr"/>
+            <a:endParaRPr lang="en-SG" sz="1050" b="1">
+              <a:solidFill>
+                <a:srgbClr val="92D050"/>
+              </a:solidFill>
+            </a:endParaRPr>
+          </a:p>
+        </p:txBody>
+      </p:sp>
+      <p:sp>
+        <p:nvSpPr>
+          <p:cNvPr id="130" name="TextBox 129">
+            <a:extLst>
+              <a:ext uri="{FF2B5EF4-FFF2-40B4-BE49-F238E27FC236}">
+                <a16:creationId xmlns:a16="http://schemas.microsoft.com/office/drawing/2014/main" id="{76683FCE-6074-488A-9331-DDDB0B05C268}"/>
+              </a:ext>
+            </a:extLst>
+          </p:cNvPr>
+          <p:cNvSpPr txBox="1"/>
+          <p:nvPr/>
+        </p:nvSpPr>
+        <p:spPr>
+          <a:xfrm>
+            <a:off x="6117277" y="1550491"/>
+            <a:ext cx="189257" cy="178683"/>
+          </a:xfrm>
+          <a:prstGeom prst="rect">
+            <a:avLst/>
+          </a:prstGeom>
+          <a:noFill/>
+        </p:spPr>
+        <p:txBody>
+          <a:bodyPr wrap="square" lIns="0" tIns="0" rIns="0" bIns="0" rtlCol="0">
+            <a:noAutofit/>
+          </a:bodyPr>
+          <a:lstStyle/>
+          <a:p>
+            <a:pPr algn="ctr"/>
+            <a:r>
+              <a:rPr lang="en-US" sz="1100" dirty="0">
+                <a:solidFill>
+                  <a:srgbClr val="7030A0"/>
+                </a:solidFill>
+              </a:rPr>
+              <a:t>*</a:t>
+            </a:r>
+            <a:endParaRPr lang="en-SG" sz="1100" dirty="0">
+              <a:solidFill>
+                <a:srgbClr val="7030A0"/>
+              </a:solidFill>
+            </a:endParaRPr>
+          </a:p>
+        </p:txBody>
+      </p:sp>
+      <p:cxnSp>
+        <p:nvCxnSpPr>
+          <p:cNvPr id="131" name="Elbow Connector 85">
+            <a:extLst>
+              <a:ext uri="{FF2B5EF4-FFF2-40B4-BE49-F238E27FC236}">
+                <a16:creationId xmlns:a16="http://schemas.microsoft.com/office/drawing/2014/main" id="{B8FAF533-0C9F-46B1-AFEC-CCA42B998054}"/>
+              </a:ext>
+            </a:extLst>
+          </p:cNvPr>
+          <p:cNvCxnSpPr/>
+          <p:nvPr/>
+        </p:nvCxnSpPr>
+        <p:spPr>
+          <a:xfrm>
+            <a:off x="7233957" y="1473061"/>
+            <a:ext cx="434402" cy="641172"/>
+          </a:xfrm>
+          <a:prstGeom prst="bentConnector3">
+            <a:avLst/>
+          </a:prstGeom>
+          <a:ln w="19050">
+            <a:solidFill>
+              <a:srgbClr val="7030A0"/>
+            </a:solidFill>
+            <a:headEnd type="none" w="med" len="med"/>
+            <a:tailEnd type="arrow" w="med" len="med"/>
+          </a:ln>
+          <a:effectLst/>
+        </p:spPr>
+        <p:style>
+          <a:lnRef idx="1">
+            <a:schemeClr val="accent2"/>
+          </a:lnRef>
+          <a:fillRef idx="2">
+            <a:schemeClr val="accent2"/>
+          </a:fillRef>
+          <a:effectRef idx="1">
+            <a:schemeClr val="accent2"/>
+          </a:effectRef>
+          <a:fontRef idx="minor">
+            <a:schemeClr val="dk1"/>
+          </a:fontRef>
+        </p:style>
+      </p:cxnSp>
+      <p:sp>
+        <p:nvSpPr>
+          <p:cNvPr id="132" name="Rectangle 8">
+            <a:extLst>
+              <a:ext uri="{FF2B5EF4-FFF2-40B4-BE49-F238E27FC236}">
+                <a16:creationId xmlns:a16="http://schemas.microsoft.com/office/drawing/2014/main" id="{0C94D388-1FE3-473D-9972-7496D0ACEBBB}"/>
+              </a:ext>
+            </a:extLst>
+          </p:cNvPr>
+          <p:cNvSpPr/>
+          <p:nvPr/>
+        </p:nvSpPr>
+        <p:spPr>
+          <a:xfrm>
+            <a:off x="7668359" y="1628199"/>
+            <a:ext cx="940621" cy="284646"/>
+          </a:xfrm>
+          <a:prstGeom prst="rect">
+            <a:avLst/>
+          </a:prstGeom>
+          <a:ln w="19050">
+            <a:solidFill>
+              <a:srgbClr val="7030A0"/>
+            </a:solidFill>
+          </a:ln>
+          <a:effectLst/>
+        </p:spPr>
+        <p:style>
+          <a:lnRef idx="1">
+            <a:schemeClr val="accent4"/>
+          </a:lnRef>
+          <a:fillRef idx="2">
+            <a:schemeClr val="accent4"/>
+          </a:fillRef>
+          <a:effectRef idx="1">
+            <a:schemeClr val="accent4"/>
+          </a:effectRef>
+          <a:fontRef idx="minor">
+            <a:schemeClr val="dk1"/>
+          </a:fontRef>
+        </p:style>
+        <p:txBody>
+          <a:bodyPr rtlCol="0" anchor="ctr"/>
+          <a:lstStyle/>
+          <a:p>
+            <a:pPr algn="ctr"/>
+            <a:r>
+              <a:rPr lang="en-US" sz="1050" dirty="0">
+                <a:solidFill>
+                  <a:srgbClr val="7030A0"/>
+                </a:solidFill>
+              </a:rPr>
+              <a:t>Deadline</a:t>
+            </a:r>
+            <a:endParaRPr lang="en-SG" sz="1050" dirty="0">
               <a:solidFill>
                 <a:srgbClr val="7030A0"/>
               </a:solidFill>
@@ -5926,13 +7084,6 @@
   <p:clrMapOvr>
     <a:masterClrMapping/>
   </p:clrMapOvr>
-  <p:timing>
-    <p:tnLst>
-      <p:par>
-        <p:cTn id="1" dur="indefinite" restart="never" nodeType="tmRoot"/>
-      </p:par>
-    </p:tnLst>
-  </p:timing>
 </p:sld>
 </file>
 
